--- a/Report2_OOP.pptx
+++ b/Report2_OOP.pptx
@@ -230,7 +230,7 @@
           <a:p>
             <a:fld id="{0BAB0719-0C0B-4FCD-8C42-A758D216E1BD}" type="datetimeFigureOut">
               <a:rPr lang="en-US" smtClean="0"/>
-              <a:t>11/7/2021</a:t>
+              <a:t>11/8/2021</a:t>
             </a:fld>
             <a:endParaRPr lang="en-US" dirty="0"/>
           </a:p>
@@ -408,7 +408,7 @@
             <a:fld id="{925A17EF-115B-4BB9-BF42-426DFD9E898A}" type="datetimeFigureOut">
               <a:rPr lang="en-US" smtClean="0"/>
               <a:pPr/>
-              <a:t>11/7/2021</a:t>
+              <a:t>11/8/2021</a:t>
             </a:fld>
             <a:endParaRPr lang="en-US" dirty="0"/>
           </a:p>
@@ -1454,7 +1454,7 @@
             <a:fld id="{A2E209FB-7A34-414B-812A-BCC5C4256F49}" type="datetime1">
               <a:rPr lang="en-US" smtClean="0"/>
               <a:pPr algn="r"/>
-              <a:t>11/7/2021</a:t>
+              <a:t>11/8/2021</a:t>
             </a:fld>
             <a:endParaRPr lang="en-US" sz="1000" dirty="0"/>
           </a:p>
@@ -5528,7 +5528,7 @@
                             </p:stCondLst>
                             <p:childTnLst>
                               <p:par>
-                                <p:cTn id="23" presetID="10" presetClass="entr" presetSubtype="0" fill="hold" nodeType="clickEffect">
+                                <p:cTn id="23" presetID="42" presetClass="entr" presetSubtype="0" fill="hold" grpId="0" nodeType="clickEffect">
                                   <p:stCondLst>
                                     <p:cond delay="0"/>
                                   </p:stCondLst>
@@ -5541,11 +5541,7 @@
                                           </p:stCondLst>
                                         </p:cTn>
                                         <p:tgtEl>
-                                          <p:spTgt spid="6">
-                                            <p:txEl>
-                                              <p:pRg st="0" end="0"/>
-                                            </p:txEl>
-                                          </p:spTgt>
+                                          <p:spTgt spid="6"/>
                                         </p:tgtEl>
                                         <p:attrNameLst>
                                           <p:attrName>style.visibility</p:attrName>
@@ -5557,16 +5553,58 @@
                                     </p:set>
                                     <p:animEffect transition="in" filter="fade">
                                       <p:cBhvr>
-                                        <p:cTn id="25" dur="500"/>
+                                        <p:cTn id="25" dur="1000"/>
                                         <p:tgtEl>
-                                          <p:spTgt spid="6">
-                                            <p:txEl>
-                                              <p:pRg st="0" end="0"/>
-                                            </p:txEl>
-                                          </p:spTgt>
+                                          <p:spTgt spid="6"/>
                                         </p:tgtEl>
                                       </p:cBhvr>
                                     </p:animEffect>
+                                    <p:anim calcmode="lin" valueType="num">
+                                      <p:cBhvr>
+                                        <p:cTn id="26" dur="1000" fill="hold"/>
+                                        <p:tgtEl>
+                                          <p:spTgt spid="6"/>
+                                        </p:tgtEl>
+                                        <p:attrNameLst>
+                                          <p:attrName>ppt_x</p:attrName>
+                                        </p:attrNameLst>
+                                      </p:cBhvr>
+                                      <p:tavLst>
+                                        <p:tav tm="0">
+                                          <p:val>
+                                            <p:strVal val="#ppt_x"/>
+                                          </p:val>
+                                        </p:tav>
+                                        <p:tav tm="100000">
+                                          <p:val>
+                                            <p:strVal val="#ppt_x"/>
+                                          </p:val>
+                                        </p:tav>
+                                      </p:tavLst>
+                                    </p:anim>
+                                    <p:anim calcmode="lin" valueType="num">
+                                      <p:cBhvr>
+                                        <p:cTn id="27" dur="1000" fill="hold"/>
+                                        <p:tgtEl>
+                                          <p:spTgt spid="6"/>
+                                        </p:tgtEl>
+                                        <p:attrNameLst>
+                                          <p:attrName>ppt_y</p:attrName>
+                                        </p:attrNameLst>
+                                      </p:cBhvr>
+                                      <p:tavLst>
+                                        <p:tav tm="0">
+                                          <p:val>
+                                            <p:strVal val="#ppt_y+.1"/>
+                                          </p:val>
+                                        </p:tav>
+                                        <p:tav tm="100000">
+                                          <p:val>
+                                            <p:strVal val="#ppt_y"/>
+                                          </p:val>
+                                        </p:tav>
+                                      </p:tavLst>
+                                    </p:anim>
                                   </p:childTnLst>
                                 </p:cTn>
                               </p:par>
@@ -5577,26 +5615,26 @@
                     </p:cTn>
                   </p:par>
                   <p:par>
-                    <p:cTn id="26" fill="hold">
+                    <p:cTn id="28" fill="hold">
                       <p:stCondLst>
                         <p:cond delay="indefinite"/>
                       </p:stCondLst>
                       <p:childTnLst>
                         <p:par>
-                          <p:cTn id="27" fill="hold">
+                          <p:cTn id="29" fill="hold">
                             <p:stCondLst>
                               <p:cond delay="0"/>
                             </p:stCondLst>
                             <p:childTnLst>
                               <p:par>
-                                <p:cTn id="28" presetID="42" presetClass="entr" presetSubtype="0" fill="hold" grpId="0" nodeType="clickEffect">
+                                <p:cTn id="30" presetID="42" presetClass="entr" presetSubtype="0" fill="hold" grpId="0" nodeType="clickEffect">
                                   <p:stCondLst>
                                     <p:cond delay="0"/>
                                   </p:stCondLst>
                                   <p:childTnLst>
                                     <p:set>
                                       <p:cBhvr>
-                                        <p:cTn id="29" dur="1" fill="hold">
+                                        <p:cTn id="31" dur="1" fill="hold">
                                           <p:stCondLst>
                                             <p:cond delay="0"/>
                                           </p:stCondLst>
@@ -5614,7 +5652,7 @@
                                     </p:set>
                                     <p:animEffect transition="in" filter="fade">
                                       <p:cBhvr>
-                                        <p:cTn id="30" dur="1000"/>
+                                        <p:cTn id="32" dur="1000"/>
                                         <p:tgtEl>
                                           <p:spTgt spid="7"/>
                                         </p:tgtEl>
@@ -5622,7 +5660,7 @@
                                     </p:animEffect>
                                     <p:anim calcmode="lin" valueType="num">
                                       <p:cBhvr>
-                                        <p:cTn id="31" dur="1000" fill="hold"/>
+                                        <p:cTn id="33" dur="1000" fill="hold"/>
                                         <p:tgtEl>
                                           <p:spTgt spid="7"/>
                                         </p:tgtEl>
@@ -5645,7 +5683,7 @@
                                     </p:anim>
                                     <p:anim calcmode="lin" valueType="num">
                                       <p:cBhvr>
-                                        <p:cTn id="32" dur="1000" fill="hold"/>
+                                        <p:cTn id="34" dur="1000" fill="hold"/>
                                         <p:tgtEl>
                                           <p:spTgt spid="7"/>
                                         </p:tgtEl>
@@ -5676,26 +5714,26 @@
                     </p:cTn>
                   </p:par>
                   <p:par>
-                    <p:cTn id="33" fill="hold">
+                    <p:cTn id="35" fill="hold">
                       <p:stCondLst>
                         <p:cond delay="indefinite"/>
                       </p:stCondLst>
                       <p:childTnLst>
                         <p:par>
-                          <p:cTn id="34" fill="hold">
+                          <p:cTn id="36" fill="hold">
                             <p:stCondLst>
                               <p:cond delay="0"/>
                             </p:stCondLst>
                             <p:childTnLst>
                               <p:par>
-                                <p:cTn id="35" presetID="10" presetClass="entr" presetSubtype="0" fill="hold" grpId="0" nodeType="clickEffect">
+                                <p:cTn id="37" presetID="42" presetClass="entr" presetSubtype="0" fill="hold" grpId="0" nodeType="clickEffect">
                                   <p:stCondLst>
                                     <p:cond delay="0"/>
                                   </p:stCondLst>
                                   <p:childTnLst>
                                     <p:set>
                                       <p:cBhvr>
-                                        <p:cTn id="36" dur="1" fill="hold">
+                                        <p:cTn id="38" dur="1" fill="hold">
                                           <p:stCondLst>
                                             <p:cond delay="0"/>
                                           </p:stCondLst>
@@ -5713,12 +5751,58 @@
                                     </p:set>
                                     <p:animEffect transition="in" filter="fade">
                                       <p:cBhvr>
-                                        <p:cTn id="37" dur="500"/>
+                                        <p:cTn id="39" dur="1000"/>
                                         <p:tgtEl>
                                           <p:spTgt spid="8"/>
                                         </p:tgtEl>
                                       </p:cBhvr>
                                     </p:animEffect>
+                                    <p:anim calcmode="lin" valueType="num">
+                                      <p:cBhvr>
+                                        <p:cTn id="40" dur="1000" fill="hold"/>
+                                        <p:tgtEl>
+                                          <p:spTgt spid="8"/>
+                                        </p:tgtEl>
+                                        <p:attrNameLst>
+                                          <p:attrName>ppt_x</p:attrName>
+                                        </p:attrNameLst>
+                                      </p:cBhvr>
+                                      <p:tavLst>
+                                        <p:tav tm="0">
+                                          <p:val>
+                                            <p:strVal val="#ppt_x"/>
+                                          </p:val>
+                                        </p:tav>
+                                        <p:tav tm="100000">
+                                          <p:val>
+                                            <p:strVal val="#ppt_x"/>
+                                          </p:val>
+                                        </p:tav>
+                                      </p:tavLst>
+                                    </p:anim>
+                                    <p:anim calcmode="lin" valueType="num">
+                                      <p:cBhvr>
+                                        <p:cTn id="41" dur="1000" fill="hold"/>
+                                        <p:tgtEl>
+                                          <p:spTgt spid="8"/>
+                                        </p:tgtEl>
+                                        <p:attrNameLst>
+                                          <p:attrName>ppt_y</p:attrName>
+                                        </p:attrNameLst>
+                                      </p:cBhvr>
+                                      <p:tavLst>
+                                        <p:tav tm="0">
+                                          <p:val>
+                                            <p:strVal val="#ppt_y+.1"/>
+                                          </p:val>
+                                        </p:tav>
+                                        <p:tav tm="100000">
+                                          <p:val>
+                                            <p:strVal val="#ppt_y"/>
+                                          </p:val>
+                                        </p:tav>
+                                      </p:tavLst>
+                                    </p:anim>
                                   </p:childTnLst>
                                 </p:cTn>
                               </p:par>
@@ -5752,6 +5836,7 @@
     <p:bldLst>
       <p:bldP spid="2" grpId="0"/>
       <p:bldP spid="4" grpId="0"/>
+      <p:bldP spid="6" grpId="0"/>
       <p:bldP spid="7" grpId="0"/>
       <p:bldP spid="8" grpId="0"/>
     </p:bldLst>
@@ -7769,6 +7854,212 @@
                       </p:childTnLst>
                     </p:cTn>
                   </p:par>
+                  <p:par>
+                    <p:cTn id="9" fill="hold">
+                      <p:stCondLst>
+                        <p:cond delay="indefinite"/>
+                      </p:stCondLst>
+                      <p:childTnLst>
+                        <p:par>
+                          <p:cTn id="10" fill="hold">
+                            <p:stCondLst>
+                              <p:cond delay="0"/>
+                            </p:stCondLst>
+                            <p:childTnLst>
+                              <p:par>
+                                <p:cTn id="11" presetID="2" presetClass="entr" presetSubtype="4" fill="hold" grpId="0" nodeType="clickEffect">
+                                  <p:stCondLst>
+                                    <p:cond delay="0"/>
+                                  </p:stCondLst>
+                                  <p:childTnLst>
+                                    <p:set>
+                                      <p:cBhvr>
+                                        <p:cTn id="12" dur="1" fill="hold">
+                                          <p:stCondLst>
+                                            <p:cond delay="0"/>
+                                          </p:stCondLst>
+                                        </p:cTn>
+                                        <p:tgtEl>
+                                          <p:spTgt spid="3">
+                                            <p:txEl>
+                                              <p:pRg st="0" end="0"/>
+                                            </p:txEl>
+                                          </p:spTgt>
+                                        </p:tgtEl>
+                                        <p:attrNameLst>
+                                          <p:attrName>style.visibility</p:attrName>
+                                        </p:attrNameLst>
+                                      </p:cBhvr>
+                                      <p:to>
+                                        <p:strVal val="visible"/>
+                                      </p:to>
+                                    </p:set>
+                                    <p:anim calcmode="lin" valueType="num">
+                                      <p:cBhvr additive="base">
+                                        <p:cTn id="13" dur="500" fill="hold"/>
+                                        <p:tgtEl>
+                                          <p:spTgt spid="3">
+                                            <p:txEl>
+                                              <p:pRg st="0" end="0"/>
+                                            </p:txEl>
+                                          </p:spTgt>
+                                        </p:tgtEl>
+                                        <p:attrNameLst>
+                                          <p:attrName>ppt_x</p:attrName>
+                                        </p:attrNameLst>
+                                      </p:cBhvr>
+                                      <p:tavLst>
+                                        <p:tav tm="0">
+                                          <p:val>
+                                            <p:strVal val="#ppt_x"/>
+                                          </p:val>
+                                        </p:tav>
+                                        <p:tav tm="100000">
+                                          <p:val>
+                                            <p:strVal val="#ppt_x"/>
+                                          </p:val>
+                                        </p:tav>
+                                      </p:tavLst>
+                                    </p:anim>
+                                    <p:anim calcmode="lin" valueType="num">
+                                      <p:cBhvr additive="base">
+                                        <p:cTn id="14" dur="500" fill="hold"/>
+                                        <p:tgtEl>
+                                          <p:spTgt spid="3">
+                                            <p:txEl>
+                                              <p:pRg st="0" end="0"/>
+                                            </p:txEl>
+                                          </p:spTgt>
+                                        </p:tgtEl>
+                                        <p:attrNameLst>
+                                          <p:attrName>ppt_y</p:attrName>
+                                        </p:attrNameLst>
+                                      </p:cBhvr>
+                                      <p:tavLst>
+                                        <p:tav tm="0">
+                                          <p:val>
+                                            <p:strVal val="1+#ppt_h/2"/>
+                                          </p:val>
+                                        </p:tav>
+                                        <p:tav tm="100000">
+                                          <p:val>
+                                            <p:strVal val="#ppt_y"/>
+                                          </p:val>
+                                        </p:tav>
+                                      </p:tavLst>
+                                    </p:anim>
+                                  </p:childTnLst>
+                                </p:cTn>
+                              </p:par>
+                            </p:childTnLst>
+                          </p:cTn>
+                        </p:par>
+                      </p:childTnLst>
+                    </p:cTn>
+                  </p:par>
+                  <p:par>
+                    <p:cTn id="15" fill="hold">
+                      <p:stCondLst>
+                        <p:cond delay="indefinite"/>
+                      </p:stCondLst>
+                      <p:childTnLst>
+                        <p:par>
+                          <p:cTn id="16" fill="hold">
+                            <p:stCondLst>
+                              <p:cond delay="0"/>
+                            </p:stCondLst>
+                            <p:childTnLst>
+                              <p:par>
+                                <p:cTn id="17" presetID="2" presetClass="entr" presetSubtype="4" fill="hold" grpId="0" nodeType="clickEffect">
+                                  <p:stCondLst>
+                                    <p:cond delay="0"/>
+                                  </p:stCondLst>
+                                  <p:childTnLst>
+                                    <p:set>
+                                      <p:cBhvr>
+                                        <p:cTn id="18" dur="1" fill="hold">
+                                          <p:stCondLst>
+                                            <p:cond delay="0"/>
+                                          </p:stCondLst>
+                                        </p:cTn>
+                                        <p:tgtEl>
+                                          <p:spTgt spid="3">
+                                            <p:txEl>
+                                              <p:pRg st="1" end="1"/>
+                                            </p:txEl>
+                                          </p:spTgt>
+                                        </p:tgtEl>
+                                        <p:attrNameLst>
+                                          <p:attrName>style.visibility</p:attrName>
+                                        </p:attrNameLst>
+                                      </p:cBhvr>
+                                      <p:to>
+                                        <p:strVal val="visible"/>
+                                      </p:to>
+                                    </p:set>
+                                    <p:anim calcmode="lin" valueType="num">
+                                      <p:cBhvr additive="base">
+                                        <p:cTn id="19" dur="500" fill="hold"/>
+                                        <p:tgtEl>
+                                          <p:spTgt spid="3">
+                                            <p:txEl>
+                                              <p:pRg st="1" end="1"/>
+                                            </p:txEl>
+                                          </p:spTgt>
+                                        </p:tgtEl>
+                                        <p:attrNameLst>
+                                          <p:attrName>ppt_x</p:attrName>
+                                        </p:attrNameLst>
+                                      </p:cBhvr>
+                                      <p:tavLst>
+                                        <p:tav tm="0">
+                                          <p:val>
+                                            <p:strVal val="#ppt_x"/>
+                                          </p:val>
+                                        </p:tav>
+                                        <p:tav tm="100000">
+                                          <p:val>
+                                            <p:strVal val="#ppt_x"/>
+                                          </p:val>
+                                        </p:tav>
+                                      </p:tavLst>
+                                    </p:anim>
+                                    <p:anim calcmode="lin" valueType="num">
+                                      <p:cBhvr additive="base">
+                                        <p:cTn id="20" dur="500" fill="hold"/>
+                                        <p:tgtEl>
+                                          <p:spTgt spid="3">
+                                            <p:txEl>
+                                              <p:pRg st="1" end="1"/>
+                                            </p:txEl>
+                                          </p:spTgt>
+                                        </p:tgtEl>
+                                        <p:attrNameLst>
+                                          <p:attrName>ppt_y</p:attrName>
+                                        </p:attrNameLst>
+                                      </p:cBhvr>
+                                      <p:tavLst>
+                                        <p:tav tm="0">
+                                          <p:val>
+                                            <p:strVal val="1+#ppt_h/2"/>
+                                          </p:val>
+                                        </p:tav>
+                                        <p:tav tm="100000">
+                                          <p:val>
+                                            <p:strVal val="#ppt_y"/>
+                                          </p:val>
+                                        </p:tav>
+                                      </p:tavLst>
+                                    </p:anim>
+                                  </p:childTnLst>
+                                </p:cTn>
+                              </p:par>
+                            </p:childTnLst>
+                          </p:cTn>
+                        </p:par>
+                      </p:childTnLst>
+                    </p:cTn>
+                  </p:par>
                 </p:childTnLst>
               </p:cTn>
               <p:prevCondLst>
@@ -7792,6 +8083,7 @@
     </p:tnLst>
     <p:bldLst>
       <p:bldP spid="2" grpId="0"/>
+      <p:bldP spid="3" grpId="0" build="p"/>
     </p:bldLst>
   </p:timing>
 </p:sld>
@@ -8137,7 +8429,7 @@
                             </p:stCondLst>
                             <p:childTnLst>
                               <p:par>
-                                <p:cTn id="5" presetID="42" presetClass="entr" presetSubtype="0" fill="hold" grpId="0" nodeType="clickEffect">
+                                <p:cTn id="5" presetID="16" presetClass="entr" presetSubtype="21" fill="hold" grpId="0" nodeType="clickEffect">
                                   <p:stCondLst>
                                     <p:cond delay="0"/>
                                   </p:stCondLst>
@@ -8145,6 +8437,59 @@
                                     <p:set>
                                       <p:cBhvr>
                                         <p:cTn id="6" dur="1" fill="hold">
+                                          <p:stCondLst>
+                                            <p:cond delay="0"/>
+                                          </p:stCondLst>
+                                        </p:cTn>
+                                        <p:tgtEl>
+                                          <p:spTgt spid="4"/>
+                                        </p:tgtEl>
+                                        <p:attrNameLst>
+                                          <p:attrName>style.visibility</p:attrName>
+                                        </p:attrNameLst>
+                                      </p:cBhvr>
+                                      <p:to>
+                                        <p:strVal val="visible"/>
+                                      </p:to>
+                                    </p:set>
+                                    <p:animEffect transition="in" filter="barn(inVertical)">
+                                      <p:cBhvr>
+                                        <p:cTn id="7" dur="500"/>
+                                        <p:tgtEl>
+                                          <p:spTgt spid="4"/>
+                                        </p:tgtEl>
+                                      </p:cBhvr>
+                                    </p:animEffect>
+                                  </p:childTnLst>
+                                </p:cTn>
+                              </p:par>
+                            </p:childTnLst>
+                          </p:cTn>
+                        </p:par>
+                      </p:childTnLst>
+                    </p:cTn>
+                  </p:par>
+                  <p:par>
+                    <p:cTn id="8" fill="hold">
+                      <p:stCondLst>
+                        <p:cond delay="indefinite"/>
+                      </p:stCondLst>
+                      <p:childTnLst>
+                        <p:par>
+                          <p:cTn id="9" fill="hold">
+                            <p:stCondLst>
+                              <p:cond delay="0"/>
+                            </p:stCondLst>
+                            <p:childTnLst>
+                              <p:par>
+                                <p:cTn id="10" presetID="21" presetClass="entr" presetSubtype="1" fill="hold" grpId="0" nodeType="clickEffect">
+                                  <p:stCondLst>
+                                    <p:cond delay="0"/>
+                                  </p:stCondLst>
+                                  <p:childTnLst>
+                                    <p:set>
+                                      <p:cBhvr>
+                                        <p:cTn id="11" dur="1" fill="hold">
                                           <p:stCondLst>
                                             <p:cond delay="0"/>
                                           </p:stCondLst>
@@ -8164,9 +8509,9 @@
                                         <p:strVal val="visible"/>
                                       </p:to>
                                     </p:set>
-                                    <p:animEffect transition="in" filter="fade">
+                                    <p:animEffect transition="in" filter="wheel(1)">
                                       <p:cBhvr>
-                                        <p:cTn id="7" dur="600"/>
+                                        <p:cTn id="12" dur="700"/>
                                         <p:tgtEl>
                                           <p:spTgt spid="3">
                                             <p:txEl>
@@ -8176,60 +8521,6 @@
                                         </p:tgtEl>
                                       </p:cBhvr>
                                     </p:animEffect>
-                                    <p:anim calcmode="lin" valueType="num">
-                                      <p:cBhvr>
-                                        <p:cTn id="8" dur="600" fill="hold"/>
-                                        <p:tgtEl>
-                                          <p:spTgt spid="3">
-                                            <p:txEl>
-                                              <p:pRg st="0" end="0"/>
-                                            </p:txEl>
-                                          </p:spTgt>
-                                        </p:tgtEl>
-                                        <p:attrNameLst>
-                                          <p:attrName>ppt_x</p:attrName>
-                                        </p:attrNameLst>
-                                      </p:cBhvr>
-                                      <p:tavLst>
-                                        <p:tav tm="0">
-                                          <p:val>
-                                            <p:strVal val="#ppt_x"/>
-                                          </p:val>
-                                        </p:tav>
-                                        <p:tav tm="100000">
-                                          <p:val>
-                                            <p:strVal val="#ppt_x"/>
-                                          </p:val>
-                                        </p:tav>
-                                      </p:tavLst>
-                                    </p:anim>
-                                    <p:anim calcmode="lin" valueType="num">
-                                      <p:cBhvr>
-                                        <p:cTn id="9" dur="600" fill="hold"/>
-                                        <p:tgtEl>
-                                          <p:spTgt spid="3">
-                                            <p:txEl>
-                                              <p:pRg st="0" end="0"/>
-                                            </p:txEl>
-                                          </p:spTgt>
-                                        </p:tgtEl>
-                                        <p:attrNameLst>
-                                          <p:attrName>ppt_y</p:attrName>
-                                        </p:attrNameLst>
-                                      </p:cBhvr>
-                                      <p:tavLst>
-                                        <p:tav tm="0">
-                                          <p:val>
-                                            <p:strVal val="#ppt_y+.1"/>
-                                          </p:val>
-                                        </p:tav>
-                                        <p:tav tm="100000">
-                                          <p:val>
-                                            <p:strVal val="#ppt_y"/>
-                                          </p:val>
-                                        </p:tav>
-                                      </p:tavLst>
-                                    </p:anim>
                                   </p:childTnLst>
                                 </p:cTn>
                               </p:par>
@@ -8262,6 +8553,7 @@
     </p:tnLst>
     <p:bldLst>
       <p:bldP spid="3" grpId="0" build="p"/>
+      <p:bldP spid="4" grpId="0" animBg="1"/>
     </p:bldLst>
   </p:timing>
 </p:sld>
@@ -9072,6 +9364,23 @@
 </file>
 
 <file path=customXml/item1.xml><?xml version="1.0" encoding="utf-8"?>
+<?mso-contentType ?>
+<FormTemplates xmlns="http://schemas.microsoft.com/sharepoint/v3/contenttype/forms">
+  <Display>DocumentLibraryForm</Display>
+  <Edit>DocumentLibraryForm</Edit>
+  <New>DocumentLibraryForm</New>
+</FormTemplates>
+</file>
+
+<file path=customXml/item2.xml><?xml version="1.0" encoding="utf-8"?>
+<p:properties xmlns:p="http://schemas.microsoft.com/office/2006/metadata/properties" xmlns:xsi="http://www.w3.org/2001/XMLSchema-instance" xmlns:pc="http://schemas.microsoft.com/office/infopath/2007/PartnerControls">
+  <documentManagement>
+    <MediaServiceKeyPoints xmlns="71af3243-3dd4-4a8d-8c0d-dd76da1f02a5" xsi:nil="true"/>
+  </documentManagement>
+</p:properties>
+</file>
+
+<file path=customXml/item3.xml><?xml version="1.0" encoding="utf-8"?>
 <ct:contentTypeSchema xmlns:ct="http://schemas.microsoft.com/office/2006/metadata/contentType" xmlns:ma="http://schemas.microsoft.com/office/2006/metadata/properties/metaAttributes" ct:_="" ma:_="" ma:contentTypeName="Document" ma:contentTypeID="0x01010079F111ED35F8CC479449609E8A0923A6" ma:contentTypeVersion="11" ma:contentTypeDescription="Create a new document." ma:contentTypeScope="" ma:versionID="96291512c1ee715ab617f4c07df79fc1">
   <xsd:schema xmlns:xsd="http://www.w3.org/2001/XMLSchema" xmlns:xs="http://www.w3.org/2001/XMLSchema" xmlns:p="http://schemas.microsoft.com/office/2006/metadata/properties" xmlns:ns2="71af3243-3dd4-4a8d-8c0d-dd76da1f02a5" xmlns:ns3="16c05727-aa75-4e4a-9b5f-8a80a1165891" targetNamespace="http://schemas.microsoft.com/office/2006/metadata/properties" ma:root="true" ma:fieldsID="8256c27c40ca5c40ce1cf6c44f0205df" ns2:_="" ns3:_="">
     <xsd:import namespace="71af3243-3dd4-4a8d-8c0d-dd76da1f02a5"/>
@@ -9282,38 +9591,10 @@
 </ct:contentTypeSchema>
 </file>
 
-<file path=customXml/item2.xml><?xml version="1.0" encoding="utf-8"?>
-<p:properties xmlns:p="http://schemas.microsoft.com/office/2006/metadata/properties" xmlns:xsi="http://www.w3.org/2001/XMLSchema-instance" xmlns:pc="http://schemas.microsoft.com/office/infopath/2007/PartnerControls">
-  <documentManagement>
-    <MediaServiceKeyPoints xmlns="71af3243-3dd4-4a8d-8c0d-dd76da1f02a5" xsi:nil="true"/>
-  </documentManagement>
-</p:properties>
-</file>
-
-<file path=customXml/item3.xml><?xml version="1.0" encoding="utf-8"?>
-<?mso-contentType ?>
-<FormTemplates xmlns="http://schemas.microsoft.com/sharepoint/v3/contenttype/forms">
-  <Display>DocumentLibraryForm</Display>
-  <Edit>DocumentLibraryForm</Edit>
-  <New>DocumentLibraryForm</New>
-</FormTemplates>
-</file>
-
 <file path=customXml/itemProps1.xml><?xml version="1.0" encoding="utf-8"?>
-<ds:datastoreItem xmlns:ds="http://schemas.openxmlformats.org/officeDocument/2006/customXml" ds:itemID="{B1AD0D4C-03C4-489C-932A-66E2D74FA6D5}">
+<ds:datastoreItem xmlns:ds="http://schemas.openxmlformats.org/officeDocument/2006/customXml" ds:itemID="{3DC31EBE-A492-4CE5-9650-1E2C8FDDD7CE}">
   <ds:schemaRefs>
-    <ds:schemaRef ds:uri="http://schemas.microsoft.com/office/2006/metadata/contentType"/>
-    <ds:schemaRef ds:uri="http://schemas.microsoft.com/office/2006/metadata/properties/metaAttributes"/>
-    <ds:schemaRef ds:uri="http://www.w3.org/2001/XMLSchema"/>
-    <ds:schemaRef ds:uri="http://schemas.microsoft.com/office/2006/metadata/properties"/>
-    <ds:schemaRef ds:uri="71af3243-3dd4-4a8d-8c0d-dd76da1f02a5"/>
-    <ds:schemaRef ds:uri="16c05727-aa75-4e4a-9b5f-8a80a1165891"/>
-    <ds:schemaRef ds:uri="http://schemas.microsoft.com/office/2006/documentManagement/types"/>
-    <ds:schemaRef ds:uri="http://schemas.microsoft.com/office/infopath/2007/PartnerControls"/>
-    <ds:schemaRef ds:uri="http://schemas.openxmlformats.org/package/2006/metadata/core-properties"/>
-    <ds:schemaRef ds:uri="http://purl.org/dc/elements/1.1/"/>
-    <ds:schemaRef ds:uri="http://purl.org/dc/terms/"/>
-    <ds:schemaRef ds:uri="http://schemas.microsoft.com/internal/obd"/>
+    <ds:schemaRef ds:uri="http://schemas.microsoft.com/sharepoint/v3/contenttype/forms"/>
   </ds:schemaRefs>
 </ds:datastoreItem>
 </file>
@@ -9336,9 +9617,20 @@
 </file>
 
 <file path=customXml/itemProps3.xml><?xml version="1.0" encoding="utf-8"?>
-<ds:datastoreItem xmlns:ds="http://schemas.openxmlformats.org/officeDocument/2006/customXml" ds:itemID="{3DC31EBE-A492-4CE5-9650-1E2C8FDDD7CE}">
+<ds:datastoreItem xmlns:ds="http://schemas.openxmlformats.org/officeDocument/2006/customXml" ds:itemID="{B1AD0D4C-03C4-489C-932A-66E2D74FA6D5}">
   <ds:schemaRefs>
-    <ds:schemaRef ds:uri="http://schemas.microsoft.com/sharepoint/v3/contenttype/forms"/>
+    <ds:schemaRef ds:uri="http://schemas.microsoft.com/office/2006/metadata/contentType"/>
+    <ds:schemaRef ds:uri="http://schemas.microsoft.com/office/2006/metadata/properties/metaAttributes"/>
+    <ds:schemaRef ds:uri="http://www.w3.org/2001/XMLSchema"/>
+    <ds:schemaRef ds:uri="http://schemas.microsoft.com/office/2006/metadata/properties"/>
+    <ds:schemaRef ds:uri="71af3243-3dd4-4a8d-8c0d-dd76da1f02a5"/>
+    <ds:schemaRef ds:uri="16c05727-aa75-4e4a-9b5f-8a80a1165891"/>
+    <ds:schemaRef ds:uri="http://schemas.microsoft.com/office/2006/documentManagement/types"/>
+    <ds:schemaRef ds:uri="http://schemas.microsoft.com/office/infopath/2007/PartnerControls"/>
+    <ds:schemaRef ds:uri="http://schemas.openxmlformats.org/package/2006/metadata/core-properties"/>
+    <ds:schemaRef ds:uri="http://purl.org/dc/elements/1.1/"/>
+    <ds:schemaRef ds:uri="http://purl.org/dc/terms/"/>
+    <ds:schemaRef ds:uri="http://schemas.microsoft.com/internal/obd"/>
   </ds:schemaRefs>
 </ds:datastoreItem>
 </file>